--- a/Werkzaamheden.pptx
+++ b/Werkzaamheden.pptx
@@ -112,6 +112,11 @@
       </a:defRPr>
     </a:lvl9pPr>
   </p:defaultTextStyle>
+  <p:extLst>
+    <p:ext uri="{EFAFB233-063F-42B5-8137-9DF3F51BA10A}">
+      <p15:sldGuideLst xmlns:p15="http://schemas.microsoft.com/office/powerpoint/2012/main"/>
+    </p:ext>
+  </p:extLst>
 </p:presentation>
 </file>
 
@@ -260,7 +265,7 @@
           <a:p>
             <a:fld id="{283FF404-3C02-442A-B479-846F124D90D8}" type="datetimeFigureOut">
               <a:rPr lang="nl-NL" smtClean="0"/>
-              <a:t>2-6-2018</a:t>
+              <a:t>3-6-2018</a:t>
             </a:fld>
             <a:endParaRPr lang="nl-NL"/>
           </a:p>
@@ -470,7 +475,7 @@
           <a:p>
             <a:fld id="{283FF404-3C02-442A-B479-846F124D90D8}" type="datetimeFigureOut">
               <a:rPr lang="nl-NL" smtClean="0"/>
-              <a:t>2-6-2018</a:t>
+              <a:t>3-6-2018</a:t>
             </a:fld>
             <a:endParaRPr lang="nl-NL"/>
           </a:p>
@@ -680,7 +685,7 @@
           <a:p>
             <a:fld id="{283FF404-3C02-442A-B479-846F124D90D8}" type="datetimeFigureOut">
               <a:rPr lang="nl-NL" smtClean="0"/>
-              <a:t>2-6-2018</a:t>
+              <a:t>3-6-2018</a:t>
             </a:fld>
             <a:endParaRPr lang="nl-NL"/>
           </a:p>
@@ -830,7 +835,7 @@
           <a:p>
             <a:fld id="{283FF404-3C02-442A-B479-846F124D90D8}" type="datetimeFigureOut">
               <a:rPr lang="nl-NL" smtClean="0"/>
-              <a:t>2-6-2018</a:t>
+              <a:t>3-6-2018</a:t>
             </a:fld>
             <a:endParaRPr lang="nl-NL"/>
           </a:p>
@@ -1048,7 +1053,7 @@
           <a:p>
             <a:fld id="{283FF404-3C02-442A-B479-846F124D90D8}" type="datetimeFigureOut">
               <a:rPr lang="nl-NL" smtClean="0"/>
-              <a:t>2-6-2018</a:t>
+              <a:t>3-6-2018</a:t>
             </a:fld>
             <a:endParaRPr lang="nl-NL"/>
           </a:p>
@@ -1318,7 +1323,7 @@
           <a:p>
             <a:fld id="{283FF404-3C02-442A-B479-846F124D90D8}" type="datetimeFigureOut">
               <a:rPr lang="nl-NL" smtClean="0"/>
-              <a:t>2-6-2018</a:t>
+              <a:t>3-6-2018</a:t>
             </a:fld>
             <a:endParaRPr lang="nl-NL"/>
           </a:p>
@@ -1724,7 +1729,7 @@
           <a:p>
             <a:fld id="{283FF404-3C02-442A-B479-846F124D90D8}" type="datetimeFigureOut">
               <a:rPr lang="nl-NL" smtClean="0"/>
-              <a:t>2-6-2018</a:t>
+              <a:t>3-6-2018</a:t>
             </a:fld>
             <a:endParaRPr lang="nl-NL"/>
           </a:p>
@@ -1874,7 +1879,7 @@
           <a:p>
             <a:fld id="{283FF404-3C02-442A-B479-846F124D90D8}" type="datetimeFigureOut">
               <a:rPr lang="nl-NL" smtClean="0"/>
-              <a:t>2-6-2018</a:t>
+              <a:t>3-6-2018</a:t>
             </a:fld>
             <a:endParaRPr lang="nl-NL"/>
           </a:p>
@@ -1993,7 +1998,7 @@
           <a:p>
             <a:fld id="{283FF404-3C02-442A-B479-846F124D90D8}" type="datetimeFigureOut">
               <a:rPr lang="nl-NL" smtClean="0"/>
-              <a:t>2-6-2018</a:t>
+              <a:t>3-6-2018</a:t>
             </a:fld>
             <a:endParaRPr lang="nl-NL"/>
           </a:p>
@@ -2303,7 +2308,7 @@
           <a:p>
             <a:fld id="{283FF404-3C02-442A-B479-846F124D90D8}" type="datetimeFigureOut">
               <a:rPr lang="nl-NL" smtClean="0"/>
-              <a:t>2-6-2018</a:t>
+              <a:t>3-6-2018</a:t>
             </a:fld>
             <a:endParaRPr lang="nl-NL"/>
           </a:p>
@@ -2589,7 +2594,7 @@
           <a:p>
             <a:fld id="{283FF404-3C02-442A-B479-846F124D90D8}" type="datetimeFigureOut">
               <a:rPr lang="nl-NL" smtClean="0"/>
-              <a:t>2-6-2018</a:t>
+              <a:t>3-6-2018</a:t>
             </a:fld>
             <a:endParaRPr lang="nl-NL"/>
           </a:p>
@@ -3099,7 +3104,12 @@
             <p:ph type="ctrTitle"/>
           </p:nvPr>
         </p:nvSpPr>
-        <p:spPr/>
+        <p:spPr>
+          <a:xfrm>
+            <a:off x="-672087" y="1061316"/>
+            <a:ext cx="7494917" cy="2387600"/>
+          </a:xfrm>
+        </p:spPr>
         <p:txBody>
           <a:bodyPr/>
           <a:lstStyle/>
@@ -3120,28 +3130,49 @@
       </p:sp>
       <p:sp>
         <p:nvSpPr>
-          <p:cNvPr id="3" name="Ondertitel 2"/>
-          <p:cNvSpPr>
-            <a:spLocks noGrp="1"/>
-          </p:cNvSpPr>
-          <p:nvPr>
-            <p:ph type="subTitle" idx="1"/>
-          </p:nvPr>
-        </p:nvSpPr>
-        <p:spPr/>
-        <p:txBody>
-          <a:bodyPr/>
-          <a:lstStyle/>
-          <a:p>
-            <a:r>
-              <a:rPr lang="nl-NL" dirty="0" smtClean="0"/>
-              <a:t>Door: Koen </a:t>
-            </a:r>
-            <a:r>
-              <a:rPr lang="nl-NL" dirty="0" err="1" smtClean="0"/>
-              <a:t>Wartenberg</a:t>
-            </a:r>
-            <a:endParaRPr lang="nl-NL" dirty="0"/>
+          <p:cNvPr id="5" name="Rechthoek 4"/>
+          <p:cNvSpPr/>
+          <p:nvPr/>
+        </p:nvSpPr>
+        <p:spPr>
+          <a:xfrm>
+            <a:off x="4123593" y="5090746"/>
+            <a:ext cx="5653453" cy="1213339"/>
+          </a:xfrm>
+          <a:prstGeom prst="rect">
+            <a:avLst/>
+          </a:prstGeom>
+          <a:solidFill>
+            <a:schemeClr val="bg1"/>
+          </a:solidFill>
+          <a:ln>
+            <a:solidFill>
+              <a:schemeClr val="bg1"/>
+            </a:solidFill>
+          </a:ln>
+        </p:spPr>
+        <p:style>
+          <a:lnRef idx="2">
+            <a:schemeClr val="accent1">
+              <a:shade val="50000"/>
+            </a:schemeClr>
+          </a:lnRef>
+          <a:fillRef idx="1">
+            <a:schemeClr val="accent1"/>
+          </a:fillRef>
+          <a:effectRef idx="0">
+            <a:schemeClr val="accent1"/>
+          </a:effectRef>
+          <a:fontRef idx="minor">
+            <a:schemeClr val="lt1"/>
+          </a:fontRef>
+        </p:style>
+        <p:txBody>
+          <a:bodyPr rtlCol="0" anchor="ctr"/>
+          <a:lstStyle/>
+          <a:p>
+            <a:pPr algn="ctr"/>
+            <a:endParaRPr lang="nl-NL"/>
           </a:p>
         </p:txBody>
       </p:sp>
@@ -3155,6 +3186,13 @@
   <p:clrMapOvr>
     <a:masterClrMapping/>
   </p:clrMapOvr>
+  <p:timing>
+    <p:tnLst>
+      <p:par>
+        <p:cTn id="1" dur="indefinite" restart="never" nodeType="tmRoot"/>
+      </p:par>
+    </p:tnLst>
+  </p:timing>
 </p:sld>
 </file>
 
@@ -3306,6 +3344,40 @@
           </a:p>
         </p:txBody>
       </p:sp>
+      <p:sp>
+        <p:nvSpPr>
+          <p:cNvPr id="7" name="Tekstvak 6"/>
+          <p:cNvSpPr txBox="1"/>
+          <p:nvPr/>
+        </p:nvSpPr>
+        <p:spPr>
+          <a:xfrm>
+            <a:off x="1130058" y="3772650"/>
+            <a:ext cx="6719977" cy="461665"/>
+          </a:xfrm>
+          <a:prstGeom prst="rect">
+            <a:avLst/>
+          </a:prstGeom>
+          <a:noFill/>
+        </p:spPr>
+        <p:txBody>
+          <a:bodyPr wrap="square" rtlCol="0">
+            <a:spAutoFit/>
+          </a:bodyPr>
+          <a:lstStyle/>
+          <a:p>
+            <a:pPr marL="285750" indent="-285750">
+              <a:buFont typeface="Arial" panose="020B0604020202020204" pitchFamily="34" charset="0"/>
+              <a:buChar char="•"/>
+            </a:pPr>
+            <a:r>
+              <a:rPr lang="nl-NL" sz="2400" dirty="0" smtClean="0"/>
+              <a:t>Configuratie tool die gebruikt zal gaan worden.</a:t>
+            </a:r>
+            <a:endParaRPr lang="nl-NL" sz="2400" dirty="0"/>
+          </a:p>
+        </p:txBody>
+      </p:sp>
     </p:spTree>
     <p:extLst>
       <p:ext uri="{BB962C8B-B14F-4D97-AF65-F5344CB8AC3E}">
@@ -3316,6 +3388,13 @@
   <p:clrMapOvr>
     <a:masterClrMapping/>
   </p:clrMapOvr>
+  <p:timing>
+    <p:tnLst>
+      <p:par>
+        <p:cTn id="1" dur="indefinite" restart="never" nodeType="tmRoot"/>
+      </p:par>
+    </p:tnLst>
+  </p:timing>
 </p:sld>
 </file>
 
@@ -3435,7 +3514,7 @@
       </p:sp>
       <p:sp>
         <p:nvSpPr>
-          <p:cNvPr id="6" name="Tekstvak 5"/>
+          <p:cNvPr id="7" name="Tekstvak 6"/>
           <p:cNvSpPr txBox="1"/>
           <p:nvPr/>
         </p:nvSpPr>
@@ -3460,40 +3539,6 @@
               <a:buChar char="•"/>
             </a:pPr>
             <a:r>
-              <a:rPr lang="nl-NL" sz="2400" dirty="0" smtClean="0"/>
-              <a:t>Documentatie</a:t>
-            </a:r>
-            <a:endParaRPr lang="nl-NL" sz="2400" dirty="0"/>
-          </a:p>
-        </p:txBody>
-      </p:sp>
-      <p:sp>
-        <p:nvSpPr>
-          <p:cNvPr id="7" name="Tekstvak 6"/>
-          <p:cNvSpPr txBox="1"/>
-          <p:nvPr/>
-        </p:nvSpPr>
-        <p:spPr>
-          <a:xfrm>
-            <a:off x="1130060" y="3358098"/>
-            <a:ext cx="6719977" cy="461665"/>
-          </a:xfrm>
-          <a:prstGeom prst="rect">
-            <a:avLst/>
-          </a:prstGeom>
-          <a:noFill/>
-        </p:spPr>
-        <p:txBody>
-          <a:bodyPr wrap="square" rtlCol="0">
-            <a:spAutoFit/>
-          </a:bodyPr>
-          <a:lstStyle/>
-          <a:p>
-            <a:pPr marL="285750" indent="-285750">
-              <a:buFont typeface="Arial" panose="020B0604020202020204" pitchFamily="34" charset="0"/>
-              <a:buChar char="•"/>
-            </a:pPr>
-            <a:r>
               <a:rPr lang="nl-NL" sz="2400" dirty="0"/>
               <a:t>C</a:t>
             </a:r>
@@ -3513,7 +3558,7 @@
         </p:nvSpPr>
         <p:spPr>
           <a:xfrm>
-            <a:off x="1130060" y="3930778"/>
+            <a:off x="1130060" y="3358098"/>
             <a:ext cx="6719977" cy="461665"/>
           </a:xfrm>
           <a:prstGeom prst="rect">
@@ -3549,6 +3594,13 @@
   <p:clrMapOvr>
     <a:masterClrMapping/>
   </p:clrMapOvr>
+  <p:timing>
+    <p:tnLst>
+      <p:par>
+        <p:cTn id="1" dur="indefinite" restart="never" nodeType="tmRoot"/>
+      </p:par>
+    </p:tnLst>
+  </p:timing>
 </p:sld>
 </file>
 
@@ -3694,7 +3746,7 @@
             </a:pPr>
             <a:r>
               <a:rPr lang="nl-NL" sz="2400" dirty="0" smtClean="0"/>
-              <a:t>Overdracht</a:t>
+              <a:t>(Overdracht)</a:t>
             </a:r>
             <a:endParaRPr lang="nl-NL" sz="2400" dirty="0"/>
           </a:p>
@@ -3710,6 +3762,13 @@
   <p:clrMapOvr>
     <a:masterClrMapping/>
   </p:clrMapOvr>
+  <p:timing>
+    <p:tnLst>
+      <p:par>
+        <p:cTn id="1" dur="indefinite" restart="never" nodeType="tmRoot"/>
+      </p:par>
+    </p:tnLst>
+  </p:timing>
 </p:sld>
 </file>
 
@@ -3842,6 +3901,13 @@
   <p:clrMapOvr>
     <a:masterClrMapping/>
   </p:clrMapOvr>
+  <p:timing>
+    <p:tnLst>
+      <p:par>
+        <p:cTn id="1" dur="indefinite" restart="never" nodeType="tmRoot"/>
+      </p:par>
+    </p:tnLst>
+  </p:timing>
 </p:sld>
 </file>
 
@@ -3974,6 +4040,13 @@
   <p:clrMapOvr>
     <a:masterClrMapping/>
   </p:clrMapOvr>
+  <p:timing>
+    <p:tnLst>
+      <p:par>
+        <p:cTn id="1" dur="indefinite" restart="never" nodeType="tmRoot"/>
+      </p:par>
+    </p:tnLst>
+  </p:timing>
 </p:sld>
 </file>
 
@@ -4109,6 +4182,13 @@
   <p:clrMapOvr>
     <a:masterClrMapping/>
   </p:clrMapOvr>
+  <p:timing>
+    <p:tnLst>
+      <p:par>
+        <p:cTn id="1" dur="indefinite" restart="never" nodeType="tmRoot"/>
+      </p:par>
+    </p:tnLst>
+  </p:timing>
 </p:sld>
 </file>
 
@@ -4191,7 +4271,7 @@
             </a:pPr>
             <a:r>
               <a:rPr lang="nl-NL" sz="2400" dirty="0" smtClean="0"/>
-              <a:t>Actiever</a:t>
+              <a:t> Actiever</a:t>
             </a:r>
             <a:endParaRPr lang="nl-NL" sz="2400" dirty="0"/>
           </a:p>
@@ -4241,6 +4321,13 @@
   <p:clrMapOvr>
     <a:masterClrMapping/>
   </p:clrMapOvr>
+  <p:timing>
+    <p:tnLst>
+      <p:par>
+        <p:cTn id="1" dur="indefinite" restart="never" nodeType="tmRoot"/>
+      </p:par>
+    </p:tnLst>
+  </p:timing>
 </p:sld>
 </file>
 
@@ -4305,6 +4392,13 @@
   <p:clrMapOvr>
     <a:masterClrMapping/>
   </p:clrMapOvr>
+  <p:timing>
+    <p:tnLst>
+      <p:par>
+        <p:cTn id="1" dur="indefinite" restart="never" nodeType="tmRoot"/>
+      </p:par>
+    </p:tnLst>
+  </p:timing>
 </p:sld>
 </file>
 

--- a/Werkzaamheden.pptx
+++ b/Werkzaamheden.pptx
@@ -165,10 +165,9 @@
           </a:lstStyle>
           <a:p>
             <a:r>
-              <a:rPr lang="nl-NL" smtClean="0"/>
+              <a:rPr lang="nl-NL"/>
               <a:t>Klik om de stijl te bewerken</a:t>
             </a:r>
-            <a:endParaRPr lang="nl-NL"/>
           </a:p>
         </p:txBody>
       </p:sp>
@@ -233,10 +232,9 @@
           </a:lstStyle>
           <a:p>
             <a:r>
-              <a:rPr lang="nl-NL" smtClean="0"/>
+              <a:rPr lang="nl-NL"/>
               <a:t>Klik om de ondertitelstijl van het model te bewerken</a:t>
             </a:r>
-            <a:endParaRPr lang="nl-NL"/>
           </a:p>
         </p:txBody>
       </p:sp>
@@ -265,7 +263,7 @@
           <a:p>
             <a:fld id="{283FF404-3C02-442A-B479-846F124D90D8}" type="datetimeFigureOut">
               <a:rPr lang="nl-NL" smtClean="0"/>
-              <a:t>3-6-2018</a:t>
+              <a:t>4-6-2018</a:t>
             </a:fld>
             <a:endParaRPr lang="nl-NL"/>
           </a:p>
@@ -323,7 +321,7 @@
           <a:p>
             <a:fld id="{E38B8791-6694-4537-86A2-49820750854E}" type="slidenum">
               <a:rPr lang="nl-NL" smtClean="0"/>
-              <a:t>‹nr.›</a:t>
+              <a:t>‹#›</a:t>
             </a:fld>
             <a:endParaRPr lang="nl-NL"/>
           </a:p>
@@ -383,10 +381,9 @@
           <a:lstStyle/>
           <a:p>
             <a:r>
-              <a:rPr lang="nl-NL" smtClean="0"/>
+              <a:rPr lang="nl-NL"/>
               <a:t>Klik om de stijl te bewerken</a:t>
             </a:r>
-            <a:endParaRPr lang="nl-NL"/>
           </a:p>
         </p:txBody>
       </p:sp>
@@ -415,38 +412,37 @@
           <a:p>
             <a:pPr lvl="0"/>
             <a:r>
-              <a:rPr lang="nl-NL" smtClean="0"/>
+              <a:rPr lang="nl-NL"/>
               <a:t>Klik om de modelstijlen te bewerken</a:t>
             </a:r>
           </a:p>
           <a:p>
             <a:pPr lvl="1"/>
             <a:r>
-              <a:rPr lang="nl-NL" smtClean="0"/>
+              <a:rPr lang="nl-NL"/>
               <a:t>Tweede niveau</a:t>
             </a:r>
           </a:p>
           <a:p>
             <a:pPr lvl="2"/>
             <a:r>
-              <a:rPr lang="nl-NL" smtClean="0"/>
+              <a:rPr lang="nl-NL"/>
               <a:t>Derde niveau</a:t>
             </a:r>
           </a:p>
           <a:p>
             <a:pPr lvl="3"/>
             <a:r>
-              <a:rPr lang="nl-NL" smtClean="0"/>
+              <a:rPr lang="nl-NL"/>
               <a:t>Vierde niveau</a:t>
             </a:r>
           </a:p>
           <a:p>
             <a:pPr lvl="4"/>
             <a:r>
-              <a:rPr lang="nl-NL" smtClean="0"/>
+              <a:rPr lang="nl-NL"/>
               <a:t>Vijfde niveau</a:t>
             </a:r>
-            <a:endParaRPr lang="nl-NL"/>
           </a:p>
         </p:txBody>
       </p:sp>
@@ -475,7 +471,7 @@
           <a:p>
             <a:fld id="{283FF404-3C02-442A-B479-846F124D90D8}" type="datetimeFigureOut">
               <a:rPr lang="nl-NL" smtClean="0"/>
-              <a:t>3-6-2018</a:t>
+              <a:t>4-6-2018</a:t>
             </a:fld>
             <a:endParaRPr lang="nl-NL"/>
           </a:p>
@@ -533,7 +529,7 @@
           <a:p>
             <a:fld id="{E38B8791-6694-4537-86A2-49820750854E}" type="slidenum">
               <a:rPr lang="nl-NL" smtClean="0"/>
-              <a:t>‹nr.›</a:t>
+              <a:t>‹#›</a:t>
             </a:fld>
             <a:endParaRPr lang="nl-NL"/>
           </a:p>
@@ -593,10 +589,9 @@
           <a:lstStyle/>
           <a:p>
             <a:r>
-              <a:rPr lang="nl-NL" smtClean="0"/>
+              <a:rPr lang="nl-NL"/>
               <a:t>Klik om de stijl te bewerken</a:t>
             </a:r>
-            <a:endParaRPr lang="nl-NL"/>
           </a:p>
         </p:txBody>
       </p:sp>
@@ -625,38 +620,37 @@
           <a:p>
             <a:pPr lvl="0"/>
             <a:r>
-              <a:rPr lang="nl-NL" smtClean="0"/>
+              <a:rPr lang="nl-NL"/>
               <a:t>Klik om de modelstijlen te bewerken</a:t>
             </a:r>
           </a:p>
           <a:p>
             <a:pPr lvl="1"/>
             <a:r>
-              <a:rPr lang="nl-NL" smtClean="0"/>
+              <a:rPr lang="nl-NL"/>
               <a:t>Tweede niveau</a:t>
             </a:r>
           </a:p>
           <a:p>
             <a:pPr lvl="2"/>
             <a:r>
-              <a:rPr lang="nl-NL" smtClean="0"/>
+              <a:rPr lang="nl-NL"/>
               <a:t>Derde niveau</a:t>
             </a:r>
           </a:p>
           <a:p>
             <a:pPr lvl="3"/>
             <a:r>
-              <a:rPr lang="nl-NL" smtClean="0"/>
+              <a:rPr lang="nl-NL"/>
               <a:t>Vierde niveau</a:t>
             </a:r>
           </a:p>
           <a:p>
             <a:pPr lvl="4"/>
             <a:r>
-              <a:rPr lang="nl-NL" smtClean="0"/>
+              <a:rPr lang="nl-NL"/>
               <a:t>Vijfde niveau</a:t>
             </a:r>
-            <a:endParaRPr lang="nl-NL"/>
           </a:p>
         </p:txBody>
       </p:sp>
@@ -685,7 +679,7 @@
           <a:p>
             <a:fld id="{283FF404-3C02-442A-B479-846F124D90D8}" type="datetimeFigureOut">
               <a:rPr lang="nl-NL" smtClean="0"/>
-              <a:t>3-6-2018</a:t>
+              <a:t>4-6-2018</a:t>
             </a:fld>
             <a:endParaRPr lang="nl-NL"/>
           </a:p>
@@ -743,7 +737,7 @@
           <a:p>
             <a:fld id="{E38B8791-6694-4537-86A2-49820750854E}" type="slidenum">
               <a:rPr lang="nl-NL" smtClean="0"/>
-              <a:t>‹nr.›</a:t>
+              <a:t>‹#›</a:t>
             </a:fld>
             <a:endParaRPr lang="nl-NL"/>
           </a:p>
@@ -803,10 +797,9 @@
           <a:lstStyle/>
           <a:p>
             <a:r>
-              <a:rPr lang="nl-NL" smtClean="0"/>
+              <a:rPr lang="nl-NL"/>
               <a:t>Klik om de stijl te bewerken</a:t>
             </a:r>
-            <a:endParaRPr lang="nl-NL"/>
           </a:p>
         </p:txBody>
       </p:sp>
@@ -835,7 +828,7 @@
           <a:p>
             <a:fld id="{283FF404-3C02-442A-B479-846F124D90D8}" type="datetimeFigureOut">
               <a:rPr lang="nl-NL" smtClean="0"/>
-              <a:t>3-6-2018</a:t>
+              <a:t>4-6-2018</a:t>
             </a:fld>
             <a:endParaRPr lang="nl-NL"/>
           </a:p>
@@ -899,10 +892,9 @@
           </a:lstStyle>
           <a:p>
             <a:r>
-              <a:rPr lang="nl-NL" smtClean="0"/>
+              <a:rPr lang="nl-NL"/>
               <a:t>Klik om de stijl te bewerken</a:t>
             </a:r>
-            <a:endParaRPr lang="nl-NL"/>
           </a:p>
         </p:txBody>
       </p:sp>
@@ -1022,7 +1014,7 @@
           <a:p>
             <a:pPr lvl="0"/>
             <a:r>
-              <a:rPr lang="nl-NL" smtClean="0"/>
+              <a:rPr lang="nl-NL"/>
               <a:t>Klik om de modelstijlen te bewerken</a:t>
             </a:r>
           </a:p>
@@ -1053,7 +1045,7 @@
           <a:p>
             <a:fld id="{283FF404-3C02-442A-B479-846F124D90D8}" type="datetimeFigureOut">
               <a:rPr lang="nl-NL" smtClean="0"/>
-              <a:t>3-6-2018</a:t>
+              <a:t>4-6-2018</a:t>
             </a:fld>
             <a:endParaRPr lang="nl-NL"/>
           </a:p>
@@ -1111,7 +1103,7 @@
           <a:p>
             <a:fld id="{E38B8791-6694-4537-86A2-49820750854E}" type="slidenum">
               <a:rPr lang="nl-NL" smtClean="0"/>
-              <a:t>‹nr.›</a:t>
+              <a:t>‹#›</a:t>
             </a:fld>
             <a:endParaRPr lang="nl-NL"/>
           </a:p>
@@ -1171,10 +1163,9 @@
           <a:lstStyle/>
           <a:p>
             <a:r>
-              <a:rPr lang="nl-NL" smtClean="0"/>
+              <a:rPr lang="nl-NL"/>
               <a:t>Klik om de stijl te bewerken</a:t>
             </a:r>
-            <a:endParaRPr lang="nl-NL"/>
           </a:p>
         </p:txBody>
       </p:sp>
@@ -1203,38 +1194,37 @@
           <a:p>
             <a:pPr lvl="0"/>
             <a:r>
-              <a:rPr lang="nl-NL" smtClean="0"/>
+              <a:rPr lang="nl-NL"/>
               <a:t>Klik om de modelstijlen te bewerken</a:t>
             </a:r>
           </a:p>
           <a:p>
             <a:pPr lvl="1"/>
             <a:r>
-              <a:rPr lang="nl-NL" smtClean="0"/>
+              <a:rPr lang="nl-NL"/>
               <a:t>Tweede niveau</a:t>
             </a:r>
           </a:p>
           <a:p>
             <a:pPr lvl="2"/>
             <a:r>
-              <a:rPr lang="nl-NL" smtClean="0"/>
+              <a:rPr lang="nl-NL"/>
               <a:t>Derde niveau</a:t>
             </a:r>
           </a:p>
           <a:p>
             <a:pPr lvl="3"/>
             <a:r>
-              <a:rPr lang="nl-NL" smtClean="0"/>
+              <a:rPr lang="nl-NL"/>
               <a:t>Vierde niveau</a:t>
             </a:r>
           </a:p>
           <a:p>
             <a:pPr lvl="4"/>
             <a:r>
-              <a:rPr lang="nl-NL" smtClean="0"/>
+              <a:rPr lang="nl-NL"/>
               <a:t>Vijfde niveau</a:t>
             </a:r>
-            <a:endParaRPr lang="nl-NL"/>
           </a:p>
         </p:txBody>
       </p:sp>
@@ -1263,38 +1253,37 @@
           <a:p>
             <a:pPr lvl="0"/>
             <a:r>
-              <a:rPr lang="nl-NL" smtClean="0"/>
+              <a:rPr lang="nl-NL"/>
               <a:t>Klik om de modelstijlen te bewerken</a:t>
             </a:r>
           </a:p>
           <a:p>
             <a:pPr lvl="1"/>
             <a:r>
-              <a:rPr lang="nl-NL" smtClean="0"/>
+              <a:rPr lang="nl-NL"/>
               <a:t>Tweede niveau</a:t>
             </a:r>
           </a:p>
           <a:p>
             <a:pPr lvl="2"/>
             <a:r>
-              <a:rPr lang="nl-NL" smtClean="0"/>
+              <a:rPr lang="nl-NL"/>
               <a:t>Derde niveau</a:t>
             </a:r>
           </a:p>
           <a:p>
             <a:pPr lvl="3"/>
             <a:r>
-              <a:rPr lang="nl-NL" smtClean="0"/>
+              <a:rPr lang="nl-NL"/>
               <a:t>Vierde niveau</a:t>
             </a:r>
           </a:p>
           <a:p>
             <a:pPr lvl="4"/>
             <a:r>
-              <a:rPr lang="nl-NL" smtClean="0"/>
+              <a:rPr lang="nl-NL"/>
               <a:t>Vijfde niveau</a:t>
             </a:r>
-            <a:endParaRPr lang="nl-NL"/>
           </a:p>
         </p:txBody>
       </p:sp>
@@ -1323,7 +1312,7 @@
           <a:p>
             <a:fld id="{283FF404-3C02-442A-B479-846F124D90D8}" type="datetimeFigureOut">
               <a:rPr lang="nl-NL" smtClean="0"/>
-              <a:t>3-6-2018</a:t>
+              <a:t>4-6-2018</a:t>
             </a:fld>
             <a:endParaRPr lang="nl-NL"/>
           </a:p>
@@ -1381,7 +1370,7 @@
           <a:p>
             <a:fld id="{E38B8791-6694-4537-86A2-49820750854E}" type="slidenum">
               <a:rPr lang="nl-NL" smtClean="0"/>
-              <a:t>‹nr.›</a:t>
+              <a:t>‹#›</a:t>
             </a:fld>
             <a:endParaRPr lang="nl-NL"/>
           </a:p>
@@ -1441,10 +1430,9 @@
           <a:lstStyle/>
           <a:p>
             <a:r>
-              <a:rPr lang="nl-NL" smtClean="0"/>
+              <a:rPr lang="nl-NL"/>
               <a:t>Klik om de stijl te bewerken</a:t>
             </a:r>
-            <a:endParaRPr lang="nl-NL"/>
           </a:p>
         </p:txBody>
       </p:sp>
@@ -1510,7 +1498,7 @@
           <a:p>
             <a:pPr lvl="0"/>
             <a:r>
-              <a:rPr lang="nl-NL" smtClean="0"/>
+              <a:rPr lang="nl-NL"/>
               <a:t>Klik om de modelstijlen te bewerken</a:t>
             </a:r>
           </a:p>
@@ -1541,38 +1529,37 @@
           <a:p>
             <a:pPr lvl="0"/>
             <a:r>
-              <a:rPr lang="nl-NL" smtClean="0"/>
+              <a:rPr lang="nl-NL"/>
               <a:t>Klik om de modelstijlen te bewerken</a:t>
             </a:r>
           </a:p>
           <a:p>
             <a:pPr lvl="1"/>
             <a:r>
-              <a:rPr lang="nl-NL" smtClean="0"/>
+              <a:rPr lang="nl-NL"/>
               <a:t>Tweede niveau</a:t>
             </a:r>
           </a:p>
           <a:p>
             <a:pPr lvl="2"/>
             <a:r>
-              <a:rPr lang="nl-NL" smtClean="0"/>
+              <a:rPr lang="nl-NL"/>
               <a:t>Derde niveau</a:t>
             </a:r>
           </a:p>
           <a:p>
             <a:pPr lvl="3"/>
             <a:r>
-              <a:rPr lang="nl-NL" smtClean="0"/>
+              <a:rPr lang="nl-NL"/>
               <a:t>Vierde niveau</a:t>
             </a:r>
           </a:p>
           <a:p>
             <a:pPr lvl="4"/>
             <a:r>
-              <a:rPr lang="nl-NL" smtClean="0"/>
+              <a:rPr lang="nl-NL"/>
               <a:t>Vijfde niveau</a:t>
             </a:r>
-            <a:endParaRPr lang="nl-NL"/>
           </a:p>
         </p:txBody>
       </p:sp>
@@ -1638,7 +1625,7 @@
           <a:p>
             <a:pPr lvl="0"/>
             <a:r>
-              <a:rPr lang="nl-NL" smtClean="0"/>
+              <a:rPr lang="nl-NL"/>
               <a:t>Klik om de modelstijlen te bewerken</a:t>
             </a:r>
           </a:p>
@@ -1669,38 +1656,37 @@
           <a:p>
             <a:pPr lvl="0"/>
             <a:r>
-              <a:rPr lang="nl-NL" smtClean="0"/>
+              <a:rPr lang="nl-NL"/>
               <a:t>Klik om de modelstijlen te bewerken</a:t>
             </a:r>
           </a:p>
           <a:p>
             <a:pPr lvl="1"/>
             <a:r>
-              <a:rPr lang="nl-NL" smtClean="0"/>
+              <a:rPr lang="nl-NL"/>
               <a:t>Tweede niveau</a:t>
             </a:r>
           </a:p>
           <a:p>
             <a:pPr lvl="2"/>
             <a:r>
-              <a:rPr lang="nl-NL" smtClean="0"/>
+              <a:rPr lang="nl-NL"/>
               <a:t>Derde niveau</a:t>
             </a:r>
           </a:p>
           <a:p>
             <a:pPr lvl="3"/>
             <a:r>
-              <a:rPr lang="nl-NL" smtClean="0"/>
+              <a:rPr lang="nl-NL"/>
               <a:t>Vierde niveau</a:t>
             </a:r>
           </a:p>
           <a:p>
             <a:pPr lvl="4"/>
             <a:r>
-              <a:rPr lang="nl-NL" smtClean="0"/>
+              <a:rPr lang="nl-NL"/>
               <a:t>Vijfde niveau</a:t>
             </a:r>
-            <a:endParaRPr lang="nl-NL"/>
           </a:p>
         </p:txBody>
       </p:sp>
@@ -1729,7 +1715,7 @@
           <a:p>
             <a:fld id="{283FF404-3C02-442A-B479-846F124D90D8}" type="datetimeFigureOut">
               <a:rPr lang="nl-NL" smtClean="0"/>
-              <a:t>3-6-2018</a:t>
+              <a:t>4-6-2018</a:t>
             </a:fld>
             <a:endParaRPr lang="nl-NL"/>
           </a:p>
@@ -1787,7 +1773,7 @@
           <a:p>
             <a:fld id="{E38B8791-6694-4537-86A2-49820750854E}" type="slidenum">
               <a:rPr lang="nl-NL" smtClean="0"/>
-              <a:t>‹nr.›</a:t>
+              <a:t>‹#›</a:t>
             </a:fld>
             <a:endParaRPr lang="nl-NL"/>
           </a:p>
@@ -1847,10 +1833,9 @@
           <a:lstStyle/>
           <a:p>
             <a:r>
-              <a:rPr lang="nl-NL" smtClean="0"/>
+              <a:rPr lang="nl-NL"/>
               <a:t>Klik om de stijl te bewerken</a:t>
             </a:r>
-            <a:endParaRPr lang="nl-NL"/>
           </a:p>
         </p:txBody>
       </p:sp>
@@ -1879,7 +1864,7 @@
           <a:p>
             <a:fld id="{283FF404-3C02-442A-B479-846F124D90D8}" type="datetimeFigureOut">
               <a:rPr lang="nl-NL" smtClean="0"/>
-              <a:t>3-6-2018</a:t>
+              <a:t>4-6-2018</a:t>
             </a:fld>
             <a:endParaRPr lang="nl-NL"/>
           </a:p>
@@ -1937,7 +1922,7 @@
           <a:p>
             <a:fld id="{E38B8791-6694-4537-86A2-49820750854E}" type="slidenum">
               <a:rPr lang="nl-NL" smtClean="0"/>
-              <a:t>‹nr.›</a:t>
+              <a:t>‹#›</a:t>
             </a:fld>
             <a:endParaRPr lang="nl-NL"/>
           </a:p>
@@ -1998,7 +1983,7 @@
           <a:p>
             <a:fld id="{283FF404-3C02-442A-B479-846F124D90D8}" type="datetimeFigureOut">
               <a:rPr lang="nl-NL" smtClean="0"/>
-              <a:t>3-6-2018</a:t>
+              <a:t>4-6-2018</a:t>
             </a:fld>
             <a:endParaRPr lang="nl-NL"/>
           </a:p>
@@ -2056,7 +2041,7 @@
           <a:p>
             <a:fld id="{E38B8791-6694-4537-86A2-49820750854E}" type="slidenum">
               <a:rPr lang="nl-NL" smtClean="0"/>
-              <a:t>‹nr.›</a:t>
+              <a:t>‹#›</a:t>
             </a:fld>
             <a:endParaRPr lang="nl-NL"/>
           </a:p>
@@ -2120,10 +2105,9 @@
           </a:lstStyle>
           <a:p>
             <a:r>
-              <a:rPr lang="nl-NL" smtClean="0"/>
+              <a:rPr lang="nl-NL"/>
               <a:t>Klik om de stijl te bewerken</a:t>
             </a:r>
-            <a:endParaRPr lang="nl-NL"/>
           </a:p>
         </p:txBody>
       </p:sp>
@@ -2180,38 +2164,37 @@
           <a:p>
             <a:pPr lvl="0"/>
             <a:r>
-              <a:rPr lang="nl-NL" smtClean="0"/>
+              <a:rPr lang="nl-NL"/>
               <a:t>Klik om de modelstijlen te bewerken</a:t>
             </a:r>
           </a:p>
           <a:p>
             <a:pPr lvl="1"/>
             <a:r>
-              <a:rPr lang="nl-NL" smtClean="0"/>
+              <a:rPr lang="nl-NL"/>
               <a:t>Tweede niveau</a:t>
             </a:r>
           </a:p>
           <a:p>
             <a:pPr lvl="2"/>
             <a:r>
-              <a:rPr lang="nl-NL" smtClean="0"/>
+              <a:rPr lang="nl-NL"/>
               <a:t>Derde niveau</a:t>
             </a:r>
           </a:p>
           <a:p>
             <a:pPr lvl="3"/>
             <a:r>
-              <a:rPr lang="nl-NL" smtClean="0"/>
+              <a:rPr lang="nl-NL"/>
               <a:t>Vierde niveau</a:t>
             </a:r>
           </a:p>
           <a:p>
             <a:pPr lvl="4"/>
             <a:r>
-              <a:rPr lang="nl-NL" smtClean="0"/>
+              <a:rPr lang="nl-NL"/>
               <a:t>Vijfde niveau</a:t>
             </a:r>
-            <a:endParaRPr lang="nl-NL"/>
           </a:p>
         </p:txBody>
       </p:sp>
@@ -2277,7 +2260,7 @@
           <a:p>
             <a:pPr lvl="0"/>
             <a:r>
-              <a:rPr lang="nl-NL" smtClean="0"/>
+              <a:rPr lang="nl-NL"/>
               <a:t>Klik om de modelstijlen te bewerken</a:t>
             </a:r>
           </a:p>
@@ -2308,7 +2291,7 @@
           <a:p>
             <a:fld id="{283FF404-3C02-442A-B479-846F124D90D8}" type="datetimeFigureOut">
               <a:rPr lang="nl-NL" smtClean="0"/>
-              <a:t>3-6-2018</a:t>
+              <a:t>4-6-2018</a:t>
             </a:fld>
             <a:endParaRPr lang="nl-NL"/>
           </a:p>
@@ -2366,7 +2349,7 @@
           <a:p>
             <a:fld id="{E38B8791-6694-4537-86A2-49820750854E}" type="slidenum">
               <a:rPr lang="nl-NL" smtClean="0"/>
-              <a:t>‹nr.›</a:t>
+              <a:t>‹#›</a:t>
             </a:fld>
             <a:endParaRPr lang="nl-NL"/>
           </a:p>
@@ -2430,10 +2413,9 @@
           </a:lstStyle>
           <a:p>
             <a:r>
-              <a:rPr lang="nl-NL" smtClean="0"/>
+              <a:rPr lang="nl-NL"/>
               <a:t>Klik om de stijl te bewerken</a:t>
             </a:r>
-            <a:endParaRPr lang="nl-NL"/>
           </a:p>
         </p:txBody>
       </p:sp>
@@ -2563,7 +2545,7 @@
           <a:p>
             <a:pPr lvl="0"/>
             <a:r>
-              <a:rPr lang="nl-NL" smtClean="0"/>
+              <a:rPr lang="nl-NL"/>
               <a:t>Klik om de modelstijlen te bewerken</a:t>
             </a:r>
           </a:p>
@@ -2594,7 +2576,7 @@
           <a:p>
             <a:fld id="{283FF404-3C02-442A-B479-846F124D90D8}" type="datetimeFigureOut">
               <a:rPr lang="nl-NL" smtClean="0"/>
-              <a:t>3-6-2018</a:t>
+              <a:t>4-6-2018</a:t>
             </a:fld>
             <a:endParaRPr lang="nl-NL"/>
           </a:p>
@@ -2652,7 +2634,7 @@
           <a:p>
             <a:fld id="{E38B8791-6694-4537-86A2-49820750854E}" type="slidenum">
               <a:rPr lang="nl-NL" smtClean="0"/>
-              <a:t>‹nr.›</a:t>
+              <a:t>‹#›</a:t>
             </a:fld>
             <a:endParaRPr lang="nl-NL"/>
           </a:p>
@@ -2746,30 +2728,26 @@
           <a:lstStyle/>
           <a:p>
             <a:r>
-              <a:rPr lang="nl-NL" sz="2400" b="1" dirty="0" smtClean="0">
+              <a:rPr lang="nl-NL" sz="2400" b="1" dirty="0">
                 <a:latin typeface="Arial" panose="020B0604020202020204" pitchFamily="34" charset="0"/>
                 <a:cs typeface="Arial" panose="020B0604020202020204" pitchFamily="34" charset="0"/>
               </a:rPr>
               <a:t>Proven </a:t>
             </a:r>
             <a:r>
-              <a:rPr lang="nl-NL" sz="2400" b="1" dirty="0" err="1" smtClean="0">
+              <a:rPr lang="nl-NL" sz="2400" b="1" dirty="0" err="1">
                 <a:latin typeface="Arial" panose="020B0604020202020204" pitchFamily="34" charset="0"/>
                 <a:cs typeface="Arial" panose="020B0604020202020204" pitchFamily="34" charset="0"/>
               </a:rPr>
               <a:t>Process</a:t>
             </a:r>
             <a:r>
-              <a:rPr lang="nl-NL" sz="2400" b="1" dirty="0" smtClean="0">
+              <a:rPr lang="nl-NL" sz="2400" b="1" dirty="0">
                 <a:latin typeface="Arial" panose="020B0604020202020204" pitchFamily="34" charset="0"/>
                 <a:cs typeface="Arial" panose="020B0604020202020204" pitchFamily="34" charset="0"/>
               </a:rPr>
               <a:t> Technology</a:t>
             </a:r>
-            <a:endParaRPr lang="nl-NL" sz="2400" b="1" dirty="0">
-              <a:latin typeface="Arial" panose="020B0604020202020204" pitchFamily="34" charset="0"/>
-              <a:cs typeface="Arial" panose="020B0604020202020204" pitchFamily="34" charset="0"/>
-            </a:endParaRPr>
           </a:p>
         </p:txBody>
       </p:sp>
@@ -3106,22 +3084,23 @@
         </p:nvSpPr>
         <p:spPr>
           <a:xfrm>
-            <a:off x="-672087" y="1061316"/>
-            <a:ext cx="7494917" cy="2387600"/>
+            <a:off x="126841" y="3771390"/>
+            <a:ext cx="5878917" cy="447679"/>
           </a:xfrm>
         </p:spPr>
         <p:txBody>
           <a:bodyPr/>
           <a:lstStyle/>
           <a:p>
-            <a:r>
-              <a:rPr lang="nl-NL" dirty="0" smtClean="0">
+            <a:pPr algn="l"/>
+            <a:r>
+              <a:rPr lang="en-US" sz="2000" dirty="0">
                 <a:latin typeface="Arial" panose="020B0604020202020204" pitchFamily="34" charset="0"/>
                 <a:cs typeface="Arial" panose="020B0604020202020204" pitchFamily="34" charset="0"/>
               </a:rPr>
-              <a:t>Werkzaamheden</a:t>
-            </a:r>
-            <a:endParaRPr lang="nl-NL" dirty="0">
+              <a:t>Stage werkzaamheden</a:t>
+            </a:r>
+            <a:endParaRPr lang="nl-NL" sz="2000" dirty="0">
               <a:latin typeface="Arial" panose="020B0604020202020204" pitchFamily="34" charset="0"/>
               <a:cs typeface="Arial" panose="020B0604020202020204" pitchFamily="34" charset="0"/>
             </a:endParaRPr>
@@ -3136,7 +3115,7 @@
         </p:nvSpPr>
         <p:spPr>
           <a:xfrm>
-            <a:off x="4123593" y="5090746"/>
+            <a:off x="6429471" y="5644661"/>
             <a:ext cx="5653453" cy="1213339"/>
           </a:xfrm>
           <a:prstGeom prst="rect">
@@ -3176,6 +3155,122 @@
           </a:p>
         </p:txBody>
       </p:sp>
+      <p:pic>
+        <p:nvPicPr>
+          <p:cNvPr id="3" name="Picture 2">
+            <a:extLst>
+              <a:ext uri="{FF2B5EF4-FFF2-40B4-BE49-F238E27FC236}">
+                <a16:creationId xmlns:a16="http://schemas.microsoft.com/office/drawing/2014/main" id="{CF772F16-0DA2-4B96-8E69-0835E7EAA091}"/>
+              </a:ext>
+            </a:extLst>
+          </p:cNvPr>
+          <p:cNvPicPr>
+            <a:picLocks noChangeAspect="1"/>
+          </p:cNvPicPr>
+          <p:nvPr/>
+        </p:nvPicPr>
+        <p:blipFill>
+          <a:blip r:embed="rId2"/>
+          <a:stretch>
+            <a:fillRect/>
+          </a:stretch>
+        </p:blipFill>
+        <p:spPr>
+          <a:xfrm>
+            <a:off x="217084" y="2477773"/>
+            <a:ext cx="5878916" cy="1213339"/>
+          </a:xfrm>
+          <a:prstGeom prst="rect">
+            <a:avLst/>
+          </a:prstGeom>
+        </p:spPr>
+      </p:pic>
+      <p:cxnSp>
+        <p:nvCxnSpPr>
+          <p:cNvPr id="6" name="Straight Connector 5">
+            <a:extLst>
+              <a:ext uri="{FF2B5EF4-FFF2-40B4-BE49-F238E27FC236}">
+                <a16:creationId xmlns:a16="http://schemas.microsoft.com/office/drawing/2014/main" id="{64B01D38-ADF3-4C21-B28A-DA37813A2F01}"/>
+              </a:ext>
+            </a:extLst>
+          </p:cNvPr>
+          <p:cNvCxnSpPr>
+            <a:cxnSpLocks/>
+          </p:cNvCxnSpPr>
+          <p:nvPr/>
+        </p:nvCxnSpPr>
+        <p:spPr>
+          <a:xfrm>
+            <a:off x="217084" y="3691112"/>
+            <a:ext cx="11577351" cy="0"/>
+          </a:xfrm>
+          <a:prstGeom prst="line">
+            <a:avLst/>
+          </a:prstGeom>
+          <a:ln>
+            <a:solidFill>
+              <a:srgbClr val="FF0000"/>
+            </a:solidFill>
+          </a:ln>
+        </p:spPr>
+        <p:style>
+          <a:lnRef idx="1">
+            <a:schemeClr val="accent1"/>
+          </a:lnRef>
+          <a:fillRef idx="0">
+            <a:schemeClr val="accent1"/>
+          </a:fillRef>
+          <a:effectRef idx="0">
+            <a:schemeClr val="accent1"/>
+          </a:effectRef>
+          <a:fontRef idx="minor">
+            <a:schemeClr val="tx1"/>
+          </a:fontRef>
+        </p:style>
+      </p:cxnSp>
+      <p:cxnSp>
+        <p:nvCxnSpPr>
+          <p:cNvPr id="8" name="Straight Connector 7">
+            <a:extLst>
+              <a:ext uri="{FF2B5EF4-FFF2-40B4-BE49-F238E27FC236}">
+                <a16:creationId xmlns:a16="http://schemas.microsoft.com/office/drawing/2014/main" id="{8913B61D-22EE-4DAD-9B74-6876A5C27F12}"/>
+              </a:ext>
+            </a:extLst>
+          </p:cNvPr>
+          <p:cNvCxnSpPr>
+            <a:cxnSpLocks/>
+          </p:cNvCxnSpPr>
+          <p:nvPr/>
+        </p:nvCxnSpPr>
+        <p:spPr>
+          <a:xfrm>
+            <a:off x="217083" y="3731251"/>
+            <a:ext cx="11577351" cy="0"/>
+          </a:xfrm>
+          <a:prstGeom prst="line">
+            <a:avLst/>
+          </a:prstGeom>
+          <a:ln>
+            <a:solidFill>
+              <a:srgbClr val="FF0000"/>
+            </a:solidFill>
+          </a:ln>
+        </p:spPr>
+        <p:style>
+          <a:lnRef idx="1">
+            <a:schemeClr val="accent1"/>
+          </a:lnRef>
+          <a:fillRef idx="0">
+            <a:schemeClr val="accent1"/>
+          </a:fillRef>
+          <a:effectRef idx="0">
+            <a:schemeClr val="accent1"/>
+          </a:effectRef>
+          <a:fontRef idx="minor">
+            <a:schemeClr val="tx1"/>
+          </a:fontRef>
+        </p:style>
+      </p:cxnSp>
     </p:spTree>
     <p:extLst>
       <p:ext uri="{BB962C8B-B14F-4D97-AF65-F5344CB8AC3E}">
@@ -3186,13 +3281,6 @@
   <p:clrMapOvr>
     <a:masterClrMapping/>
   </p:clrMapOvr>
-  <p:timing>
-    <p:tnLst>
-      <p:par>
-        <p:cTn id="1" dur="indefinite" restart="never" nodeType="tmRoot"/>
-      </p:par>
-    </p:tnLst>
-  </p:timing>
 </p:sld>
 </file>
 
@@ -3229,16 +3317,12 @@
           <a:lstStyle/>
           <a:p>
             <a:r>
-              <a:rPr lang="nl-NL" dirty="0" smtClean="0">
+              <a:rPr lang="nl-NL" dirty="0">
                 <a:latin typeface="Arial" panose="020B0604020202020204" pitchFamily="34" charset="0"/>
                 <a:cs typeface="Arial" panose="020B0604020202020204" pitchFamily="34" charset="0"/>
               </a:rPr>
               <a:t>Probleem</a:t>
             </a:r>
-            <a:endParaRPr lang="nl-NL" dirty="0">
-              <a:latin typeface="Arial" panose="020B0604020202020204" pitchFamily="34" charset="0"/>
-              <a:cs typeface="Arial" panose="020B0604020202020204" pitchFamily="34" charset="0"/>
-            </a:endParaRPr>
           </a:p>
         </p:txBody>
       </p:sp>
@@ -3269,10 +3353,9 @@
               <a:buChar char="•"/>
             </a:pPr>
             <a:r>
-              <a:rPr lang="nl-NL" sz="2400" dirty="0" smtClean="0"/>
+              <a:rPr lang="nl-NL" sz="2400" dirty="0"/>
               <a:t>400 fouten</a:t>
             </a:r>
-            <a:endParaRPr lang="nl-NL" sz="2400" dirty="0"/>
           </a:p>
         </p:txBody>
       </p:sp>
@@ -3303,10 +3386,9 @@
               <a:buChar char="•"/>
             </a:pPr>
             <a:r>
-              <a:rPr lang="nl-NL" sz="2400" dirty="0" smtClean="0"/>
+              <a:rPr lang="nl-NL" sz="2400" dirty="0"/>
               <a:t>4 uur per fout</a:t>
             </a:r>
-            <a:endParaRPr lang="nl-NL" sz="2400" dirty="0"/>
           </a:p>
         </p:txBody>
       </p:sp>
@@ -3337,10 +3419,9 @@
               <a:buChar char="•"/>
             </a:pPr>
             <a:r>
-              <a:rPr lang="nl-NL" sz="2400" dirty="0" smtClean="0"/>
-              <a:t>Circa 1600 verloren</a:t>
-            </a:r>
-            <a:endParaRPr lang="nl-NL" sz="2400" dirty="0"/>
+              <a:rPr lang="nl-NL" sz="2400" dirty="0"/>
+              <a:t>Circa 1600 uur verloren</a:t>
+            </a:r>
           </a:p>
         </p:txBody>
       </p:sp>
@@ -3371,10 +3452,9 @@
               <a:buChar char="•"/>
             </a:pPr>
             <a:r>
-              <a:rPr lang="nl-NL" sz="2400" dirty="0" smtClean="0"/>
+              <a:rPr lang="nl-NL" sz="2400" dirty="0"/>
               <a:t>Configuratie tool die gebruikt zal gaan worden.</a:t>
             </a:r>
-            <a:endParaRPr lang="nl-NL" sz="2400" dirty="0"/>
           </a:p>
         </p:txBody>
       </p:sp>
@@ -3391,9 +3471,172 @@
   <p:timing>
     <p:tnLst>
       <p:par>
-        <p:cTn id="1" dur="indefinite" restart="never" nodeType="tmRoot"/>
+        <p:cTn id="1" dur="indefinite" restart="never" nodeType="tmRoot">
+          <p:childTnLst>
+            <p:seq concurrent="1" nextAc="seek">
+              <p:cTn id="2" dur="indefinite" nodeType="mainSeq">
+                <p:childTnLst>
+                  <p:par>
+                    <p:cTn id="3" fill="hold">
+                      <p:stCondLst>
+                        <p:cond delay="indefinite"/>
+                      </p:stCondLst>
+                      <p:childTnLst>
+                        <p:par>
+                          <p:cTn id="4" fill="hold">
+                            <p:stCondLst>
+                              <p:cond delay="0"/>
+                            </p:stCondLst>
+                            <p:childTnLst>
+                              <p:par>
+                                <p:cTn id="5" presetID="1" presetClass="entr" presetSubtype="0" fill="hold" grpId="0" nodeType="clickEffect">
+                                  <p:stCondLst>
+                                    <p:cond delay="0"/>
+                                  </p:stCondLst>
+                                  <p:childTnLst>
+                                    <p:set>
+                                      <p:cBhvr>
+                                        <p:cTn id="6" dur="1" fill="hold">
+                                          <p:stCondLst>
+                                            <p:cond delay="0"/>
+                                          </p:stCondLst>
+                                        </p:cTn>
+                                        <p:tgtEl>
+                                          <p:spTgt spid="5"/>
+                                        </p:tgtEl>
+                                        <p:attrNameLst>
+                                          <p:attrName>style.visibility</p:attrName>
+                                        </p:attrNameLst>
+                                      </p:cBhvr>
+                                      <p:to>
+                                        <p:strVal val="visible"/>
+                                      </p:to>
+                                    </p:set>
+                                  </p:childTnLst>
+                                </p:cTn>
+                              </p:par>
+                            </p:childTnLst>
+                          </p:cTn>
+                        </p:par>
+                      </p:childTnLst>
+                    </p:cTn>
+                  </p:par>
+                  <p:par>
+                    <p:cTn id="7" fill="hold">
+                      <p:stCondLst>
+                        <p:cond delay="indefinite"/>
+                      </p:stCondLst>
+                      <p:childTnLst>
+                        <p:par>
+                          <p:cTn id="8" fill="hold">
+                            <p:stCondLst>
+                              <p:cond delay="0"/>
+                            </p:stCondLst>
+                            <p:childTnLst>
+                              <p:par>
+                                <p:cTn id="9" presetID="1" presetClass="entr" presetSubtype="0" fill="hold" grpId="0" nodeType="clickEffect">
+                                  <p:stCondLst>
+                                    <p:cond delay="0"/>
+                                  </p:stCondLst>
+                                  <p:childTnLst>
+                                    <p:set>
+                                      <p:cBhvr>
+                                        <p:cTn id="10" dur="1" fill="hold">
+                                          <p:stCondLst>
+                                            <p:cond delay="0"/>
+                                          </p:stCondLst>
+                                        </p:cTn>
+                                        <p:tgtEl>
+                                          <p:spTgt spid="6"/>
+                                        </p:tgtEl>
+                                        <p:attrNameLst>
+                                          <p:attrName>style.visibility</p:attrName>
+                                        </p:attrNameLst>
+                                      </p:cBhvr>
+                                      <p:to>
+                                        <p:strVal val="visible"/>
+                                      </p:to>
+                                    </p:set>
+                                  </p:childTnLst>
+                                </p:cTn>
+                              </p:par>
+                            </p:childTnLst>
+                          </p:cTn>
+                        </p:par>
+                      </p:childTnLst>
+                    </p:cTn>
+                  </p:par>
+                  <p:par>
+                    <p:cTn id="11" fill="hold">
+                      <p:stCondLst>
+                        <p:cond delay="indefinite"/>
+                      </p:stCondLst>
+                      <p:childTnLst>
+                        <p:par>
+                          <p:cTn id="12" fill="hold">
+                            <p:stCondLst>
+                              <p:cond delay="0"/>
+                            </p:stCondLst>
+                            <p:childTnLst>
+                              <p:par>
+                                <p:cTn id="13" presetID="1" presetClass="entr" presetSubtype="0" fill="hold" grpId="0" nodeType="clickEffect">
+                                  <p:stCondLst>
+                                    <p:cond delay="0"/>
+                                  </p:stCondLst>
+                                  <p:childTnLst>
+                                    <p:set>
+                                      <p:cBhvr>
+                                        <p:cTn id="14" dur="1" fill="hold">
+                                          <p:stCondLst>
+                                            <p:cond delay="0"/>
+                                          </p:stCondLst>
+                                        </p:cTn>
+                                        <p:tgtEl>
+                                          <p:spTgt spid="7"/>
+                                        </p:tgtEl>
+                                        <p:attrNameLst>
+                                          <p:attrName>style.visibility</p:attrName>
+                                        </p:attrNameLst>
+                                      </p:cBhvr>
+                                      <p:to>
+                                        <p:strVal val="visible"/>
+                                      </p:to>
+                                    </p:set>
+                                  </p:childTnLst>
+                                </p:cTn>
+                              </p:par>
+                            </p:childTnLst>
+                          </p:cTn>
+                        </p:par>
+                      </p:childTnLst>
+                    </p:cTn>
+                  </p:par>
+                </p:childTnLst>
+              </p:cTn>
+              <p:prevCondLst>
+                <p:cond evt="onPrev" delay="0">
+                  <p:tgtEl>
+                    <p:sldTgt/>
+                  </p:tgtEl>
+                </p:cond>
+              </p:prevCondLst>
+              <p:nextCondLst>
+                <p:cond evt="onNext" delay="0">
+                  <p:tgtEl>
+                    <p:sldTgt/>
+                  </p:tgtEl>
+                </p:cond>
+              </p:nextCondLst>
+            </p:seq>
+          </p:childTnLst>
+        </p:cTn>
       </p:par>
     </p:tnLst>
+    <p:bldLst>
+      <p:bldP spid="5" grpId="0"/>
+      <p:bldP spid="6" grpId="0"/>
+      <p:bldP spid="7" grpId="0"/>
+    </p:bldLst>
   </p:timing>
 </p:sld>
 </file>
@@ -3431,16 +3674,12 @@
           <a:lstStyle/>
           <a:p>
             <a:r>
-              <a:rPr lang="nl-NL" dirty="0" smtClean="0">
+              <a:rPr lang="nl-NL" dirty="0">
                 <a:latin typeface="Arial" panose="020B0604020202020204" pitchFamily="34" charset="0"/>
                 <a:cs typeface="Arial" panose="020B0604020202020204" pitchFamily="34" charset="0"/>
               </a:rPr>
               <a:t>Methoden</a:t>
             </a:r>
-            <a:endParaRPr lang="nl-NL" dirty="0">
-              <a:latin typeface="Arial" panose="020B0604020202020204" pitchFamily="34" charset="0"/>
-              <a:cs typeface="Arial" panose="020B0604020202020204" pitchFamily="34" charset="0"/>
-            </a:endParaRPr>
           </a:p>
         </p:txBody>
       </p:sp>
@@ -3452,7 +3691,7 @@
         </p:nvSpPr>
         <p:spPr>
           <a:xfrm>
-            <a:off x="1130060" y="1640058"/>
+            <a:off x="1130059" y="1640058"/>
             <a:ext cx="6719977" cy="461665"/>
           </a:xfrm>
           <a:prstGeom prst="rect">
@@ -3471,10 +3710,9 @@
               <a:buChar char="•"/>
             </a:pPr>
             <a:r>
-              <a:rPr lang="nl-NL" sz="2400" dirty="0" smtClean="0"/>
+              <a:rPr lang="nl-NL" sz="2400" dirty="0"/>
               <a:t>Bestaande configuratie tool aan te passen</a:t>
             </a:r>
-            <a:endParaRPr lang="nl-NL" sz="2400" dirty="0"/>
           </a:p>
         </p:txBody>
       </p:sp>
@@ -3505,10 +3743,9 @@
               <a:buChar char="•"/>
             </a:pPr>
             <a:r>
-              <a:rPr lang="nl-NL" sz="2400" dirty="0" smtClean="0"/>
+              <a:rPr lang="nl-NL" sz="2400" dirty="0"/>
               <a:t>Tweede configuratie tool</a:t>
             </a:r>
-            <a:endParaRPr lang="nl-NL" sz="2400" dirty="0"/>
           </a:p>
         </p:txBody>
       </p:sp>
@@ -3540,13 +3777,8 @@
             </a:pPr>
             <a:r>
               <a:rPr lang="nl-NL" sz="2400" dirty="0"/>
-              <a:t>C</a:t>
-            </a:r>
-            <a:r>
-              <a:rPr lang="nl-NL" sz="2400" dirty="0" smtClean="0"/>
-              <a:t>ommunicatie</a:t>
-            </a:r>
-            <a:endParaRPr lang="nl-NL" sz="2400" dirty="0"/>
+              <a:t>Communicatie</a:t>
+            </a:r>
           </a:p>
         </p:txBody>
       </p:sp>
@@ -3577,10 +3809,9 @@
               <a:buChar char="•"/>
             </a:pPr>
             <a:r>
-              <a:rPr lang="nl-NL" sz="2400" dirty="0" smtClean="0"/>
-              <a:t>Overdracht</a:t>
-            </a:r>
-            <a:endParaRPr lang="nl-NL" sz="2400" dirty="0"/>
+              <a:rPr lang="nl-NL" sz="2400" dirty="0"/>
+              <a:t>(Overdracht)</a:t>
+            </a:r>
           </a:p>
         </p:txBody>
       </p:sp>
@@ -3597,9 +3828,172 @@
   <p:timing>
     <p:tnLst>
       <p:par>
-        <p:cTn id="1" dur="indefinite" restart="never" nodeType="tmRoot"/>
+        <p:cTn id="1" dur="indefinite" restart="never" nodeType="tmRoot">
+          <p:childTnLst>
+            <p:seq concurrent="1" nextAc="seek">
+              <p:cTn id="2" dur="indefinite" nodeType="mainSeq">
+                <p:childTnLst>
+                  <p:par>
+                    <p:cTn id="3" fill="hold">
+                      <p:stCondLst>
+                        <p:cond delay="indefinite"/>
+                      </p:stCondLst>
+                      <p:childTnLst>
+                        <p:par>
+                          <p:cTn id="4" fill="hold">
+                            <p:stCondLst>
+                              <p:cond delay="0"/>
+                            </p:stCondLst>
+                            <p:childTnLst>
+                              <p:par>
+                                <p:cTn id="5" presetID="1" presetClass="entr" presetSubtype="0" fill="hold" grpId="0" nodeType="clickEffect">
+                                  <p:stCondLst>
+                                    <p:cond delay="0"/>
+                                  </p:stCondLst>
+                                  <p:childTnLst>
+                                    <p:set>
+                                      <p:cBhvr>
+                                        <p:cTn id="6" dur="1" fill="hold">
+                                          <p:stCondLst>
+                                            <p:cond delay="0"/>
+                                          </p:stCondLst>
+                                        </p:cTn>
+                                        <p:tgtEl>
+                                          <p:spTgt spid="5"/>
+                                        </p:tgtEl>
+                                        <p:attrNameLst>
+                                          <p:attrName>style.visibility</p:attrName>
+                                        </p:attrNameLst>
+                                      </p:cBhvr>
+                                      <p:to>
+                                        <p:strVal val="visible"/>
+                                      </p:to>
+                                    </p:set>
+                                  </p:childTnLst>
+                                </p:cTn>
+                              </p:par>
+                            </p:childTnLst>
+                          </p:cTn>
+                        </p:par>
+                      </p:childTnLst>
+                    </p:cTn>
+                  </p:par>
+                  <p:par>
+                    <p:cTn id="7" fill="hold">
+                      <p:stCondLst>
+                        <p:cond delay="indefinite"/>
+                      </p:stCondLst>
+                      <p:childTnLst>
+                        <p:par>
+                          <p:cTn id="8" fill="hold">
+                            <p:stCondLst>
+                              <p:cond delay="0"/>
+                            </p:stCondLst>
+                            <p:childTnLst>
+                              <p:par>
+                                <p:cTn id="9" presetID="1" presetClass="entr" presetSubtype="0" fill="hold" grpId="0" nodeType="clickEffect">
+                                  <p:stCondLst>
+                                    <p:cond delay="0"/>
+                                  </p:stCondLst>
+                                  <p:childTnLst>
+                                    <p:set>
+                                      <p:cBhvr>
+                                        <p:cTn id="10" dur="1" fill="hold">
+                                          <p:stCondLst>
+                                            <p:cond delay="0"/>
+                                          </p:stCondLst>
+                                        </p:cTn>
+                                        <p:tgtEl>
+                                          <p:spTgt spid="7"/>
+                                        </p:tgtEl>
+                                        <p:attrNameLst>
+                                          <p:attrName>style.visibility</p:attrName>
+                                        </p:attrNameLst>
+                                      </p:cBhvr>
+                                      <p:to>
+                                        <p:strVal val="visible"/>
+                                      </p:to>
+                                    </p:set>
+                                  </p:childTnLst>
+                                </p:cTn>
+                              </p:par>
+                            </p:childTnLst>
+                          </p:cTn>
+                        </p:par>
+                      </p:childTnLst>
+                    </p:cTn>
+                  </p:par>
+                  <p:par>
+                    <p:cTn id="11" fill="hold">
+                      <p:stCondLst>
+                        <p:cond delay="indefinite"/>
+                      </p:stCondLst>
+                      <p:childTnLst>
+                        <p:par>
+                          <p:cTn id="12" fill="hold">
+                            <p:stCondLst>
+                              <p:cond delay="0"/>
+                            </p:stCondLst>
+                            <p:childTnLst>
+                              <p:par>
+                                <p:cTn id="13" presetID="1" presetClass="entr" presetSubtype="0" fill="hold" grpId="0" nodeType="clickEffect">
+                                  <p:stCondLst>
+                                    <p:cond delay="0"/>
+                                  </p:stCondLst>
+                                  <p:childTnLst>
+                                    <p:set>
+                                      <p:cBhvr>
+                                        <p:cTn id="14" dur="1" fill="hold">
+                                          <p:stCondLst>
+                                            <p:cond delay="0"/>
+                                          </p:stCondLst>
+                                        </p:cTn>
+                                        <p:tgtEl>
+                                          <p:spTgt spid="8"/>
+                                        </p:tgtEl>
+                                        <p:attrNameLst>
+                                          <p:attrName>style.visibility</p:attrName>
+                                        </p:attrNameLst>
+                                      </p:cBhvr>
+                                      <p:to>
+                                        <p:strVal val="visible"/>
+                                      </p:to>
+                                    </p:set>
+                                  </p:childTnLst>
+                                </p:cTn>
+                              </p:par>
+                            </p:childTnLst>
+                          </p:cTn>
+                        </p:par>
+                      </p:childTnLst>
+                    </p:cTn>
+                  </p:par>
+                </p:childTnLst>
+              </p:cTn>
+              <p:prevCondLst>
+                <p:cond evt="onPrev" delay="0">
+                  <p:tgtEl>
+                    <p:sldTgt/>
+                  </p:tgtEl>
+                </p:cond>
+              </p:prevCondLst>
+              <p:nextCondLst>
+                <p:cond evt="onNext" delay="0">
+                  <p:tgtEl>
+                    <p:sldTgt/>
+                  </p:tgtEl>
+                </p:cond>
+              </p:nextCondLst>
+            </p:seq>
+          </p:childTnLst>
+        </p:cTn>
       </p:par>
     </p:tnLst>
+    <p:bldLst>
+      <p:bldP spid="5" grpId="0"/>
+      <p:bldP spid="7" grpId="0"/>
+      <p:bldP spid="8" grpId="0"/>
+    </p:bldLst>
   </p:timing>
 </p:sld>
 </file>
@@ -3637,16 +4031,12 @@
           <a:lstStyle/>
           <a:p>
             <a:r>
-              <a:rPr lang="nl-NL" dirty="0" smtClean="0">
+              <a:rPr lang="nl-NL" dirty="0">
                 <a:latin typeface="Arial" panose="020B0604020202020204" pitchFamily="34" charset="0"/>
                 <a:cs typeface="Arial" panose="020B0604020202020204" pitchFamily="34" charset="0"/>
               </a:rPr>
               <a:t>Resultaat</a:t>
             </a:r>
-            <a:endParaRPr lang="nl-NL" dirty="0">
-              <a:latin typeface="Arial" panose="020B0604020202020204" pitchFamily="34" charset="0"/>
-              <a:cs typeface="Arial" panose="020B0604020202020204" pitchFamily="34" charset="0"/>
-            </a:endParaRPr>
           </a:p>
         </p:txBody>
       </p:sp>
@@ -3677,10 +4067,9 @@
               <a:buChar char="•"/>
             </a:pPr>
             <a:r>
-              <a:rPr lang="nl-NL" sz="2400" dirty="0" smtClean="0"/>
+              <a:rPr lang="nl-NL" sz="2400" dirty="0"/>
               <a:t>Eerste configuratie tool</a:t>
             </a:r>
-            <a:endParaRPr lang="nl-NL" sz="2400" dirty="0"/>
           </a:p>
         </p:txBody>
       </p:sp>
@@ -3711,10 +4100,9 @@
               <a:buChar char="•"/>
             </a:pPr>
             <a:r>
-              <a:rPr lang="nl-NL" sz="2400" dirty="0" smtClean="0"/>
+              <a:rPr lang="nl-NL" sz="2400" dirty="0"/>
               <a:t>Tweede configuratie tool</a:t>
             </a:r>
-            <a:endParaRPr lang="nl-NL" sz="2400" dirty="0"/>
           </a:p>
         </p:txBody>
       </p:sp>
@@ -3745,10 +4133,9 @@
               <a:buChar char="•"/>
             </a:pPr>
             <a:r>
-              <a:rPr lang="nl-NL" sz="2400" dirty="0" smtClean="0"/>
+              <a:rPr lang="nl-NL" sz="2400" dirty="0"/>
               <a:t>(Overdracht)</a:t>
             </a:r>
-            <a:endParaRPr lang="nl-NL" sz="2400" dirty="0"/>
           </a:p>
         </p:txBody>
       </p:sp>
@@ -3765,9 +4152,126 @@
   <p:timing>
     <p:tnLst>
       <p:par>
-        <p:cTn id="1" dur="indefinite" restart="never" nodeType="tmRoot"/>
+        <p:cTn id="1" dur="indefinite" restart="never" nodeType="tmRoot">
+          <p:childTnLst>
+            <p:seq concurrent="1" nextAc="seek">
+              <p:cTn id="2" dur="indefinite" nodeType="mainSeq">
+                <p:childTnLst>
+                  <p:par>
+                    <p:cTn id="3" fill="hold">
+                      <p:stCondLst>
+                        <p:cond delay="indefinite"/>
+                      </p:stCondLst>
+                      <p:childTnLst>
+                        <p:par>
+                          <p:cTn id="4" fill="hold">
+                            <p:stCondLst>
+                              <p:cond delay="0"/>
+                            </p:stCondLst>
+                            <p:childTnLst>
+                              <p:par>
+                                <p:cTn id="5" presetID="1" presetClass="entr" presetSubtype="0" fill="hold" grpId="0" nodeType="clickEffect">
+                                  <p:stCondLst>
+                                    <p:cond delay="0"/>
+                                  </p:stCondLst>
+                                  <p:childTnLst>
+                                    <p:set>
+                                      <p:cBhvr>
+                                        <p:cTn id="6" dur="1" fill="hold">
+                                          <p:stCondLst>
+                                            <p:cond delay="0"/>
+                                          </p:stCondLst>
+                                        </p:cTn>
+                                        <p:tgtEl>
+                                          <p:spTgt spid="5"/>
+                                        </p:tgtEl>
+                                        <p:attrNameLst>
+                                          <p:attrName>style.visibility</p:attrName>
+                                        </p:attrNameLst>
+                                      </p:cBhvr>
+                                      <p:to>
+                                        <p:strVal val="visible"/>
+                                      </p:to>
+                                    </p:set>
+                                  </p:childTnLst>
+                                </p:cTn>
+                              </p:par>
+                            </p:childTnLst>
+                          </p:cTn>
+                        </p:par>
+                      </p:childTnLst>
+                    </p:cTn>
+                  </p:par>
+                  <p:par>
+                    <p:cTn id="7" fill="hold">
+                      <p:stCondLst>
+                        <p:cond delay="indefinite"/>
+                      </p:stCondLst>
+                      <p:childTnLst>
+                        <p:par>
+                          <p:cTn id="8" fill="hold">
+                            <p:stCondLst>
+                              <p:cond delay="0"/>
+                            </p:stCondLst>
+                            <p:childTnLst>
+                              <p:par>
+                                <p:cTn id="9" presetID="1" presetClass="entr" presetSubtype="0" fill="hold" grpId="0" nodeType="clickEffect">
+                                  <p:stCondLst>
+                                    <p:cond delay="0"/>
+                                  </p:stCondLst>
+                                  <p:childTnLst>
+                                    <p:set>
+                                      <p:cBhvr>
+                                        <p:cTn id="10" dur="1" fill="hold">
+                                          <p:stCondLst>
+                                            <p:cond delay="0"/>
+                                          </p:stCondLst>
+                                        </p:cTn>
+                                        <p:tgtEl>
+                                          <p:spTgt spid="8"/>
+                                        </p:tgtEl>
+                                        <p:attrNameLst>
+                                          <p:attrName>style.visibility</p:attrName>
+                                        </p:attrNameLst>
+                                      </p:cBhvr>
+                                      <p:to>
+                                        <p:strVal val="visible"/>
+                                      </p:to>
+                                    </p:set>
+                                  </p:childTnLst>
+                                </p:cTn>
+                              </p:par>
+                            </p:childTnLst>
+                          </p:cTn>
+                        </p:par>
+                      </p:childTnLst>
+                    </p:cTn>
+                  </p:par>
+                </p:childTnLst>
+              </p:cTn>
+              <p:prevCondLst>
+                <p:cond evt="onPrev" delay="0">
+                  <p:tgtEl>
+                    <p:sldTgt/>
+                  </p:tgtEl>
+                </p:cond>
+              </p:prevCondLst>
+              <p:nextCondLst>
+                <p:cond evt="onNext" delay="0">
+                  <p:tgtEl>
+                    <p:sldTgt/>
+                  </p:tgtEl>
+                </p:cond>
+              </p:nextCondLst>
+            </p:seq>
+          </p:childTnLst>
+        </p:cTn>
       </p:par>
     </p:tnLst>
+    <p:bldLst>
+      <p:bldP spid="5" grpId="0"/>
+      <p:bldP spid="8" grpId="0"/>
+    </p:bldLst>
   </p:timing>
 </p:sld>
 </file>
@@ -3810,16 +4314,12 @@
           <a:lstStyle/>
           <a:p>
             <a:r>
-              <a:rPr lang="nl-NL" dirty="0" smtClean="0">
+              <a:rPr lang="nl-NL" dirty="0">
                 <a:latin typeface="Arial" panose="020B0604020202020204" pitchFamily="34" charset="0"/>
                 <a:cs typeface="Arial" panose="020B0604020202020204" pitchFamily="34" charset="0"/>
               </a:rPr>
               <a:t>Conclusie</a:t>
             </a:r>
-            <a:endParaRPr lang="nl-NL" dirty="0">
-              <a:latin typeface="Arial" panose="020B0604020202020204" pitchFamily="34" charset="0"/>
-              <a:cs typeface="Arial" panose="020B0604020202020204" pitchFamily="34" charset="0"/>
-            </a:endParaRPr>
           </a:p>
         </p:txBody>
       </p:sp>
@@ -3850,10 +4350,9 @@
               <a:buChar char="•"/>
             </a:pPr>
             <a:r>
-              <a:rPr lang="nl-NL" sz="2400" dirty="0" smtClean="0"/>
+              <a:rPr lang="nl-NL" sz="2400" dirty="0"/>
               <a:t>Zorg ervoor dat de tool gebruikt gaat worden.</a:t>
             </a:r>
-            <a:endParaRPr lang="nl-NL" sz="2400" dirty="0"/>
           </a:p>
         </p:txBody>
       </p:sp>
@@ -3884,10 +4383,9 @@
               <a:buChar char="•"/>
             </a:pPr>
             <a:r>
-              <a:rPr lang="nl-NL" sz="2400" dirty="0" smtClean="0"/>
+              <a:rPr lang="nl-NL" sz="2400" dirty="0"/>
               <a:t>Tweede configuratie tool</a:t>
             </a:r>
-            <a:endParaRPr lang="nl-NL" sz="2400" dirty="0"/>
           </a:p>
         </p:txBody>
       </p:sp>
@@ -3904,9 +4402,80 @@
   <p:timing>
     <p:tnLst>
       <p:par>
-        <p:cTn id="1" dur="indefinite" restart="never" nodeType="tmRoot"/>
+        <p:cTn id="1" dur="indefinite" restart="never" nodeType="tmRoot">
+          <p:childTnLst>
+            <p:seq concurrent="1" nextAc="seek">
+              <p:cTn id="2" dur="indefinite" nodeType="mainSeq">
+                <p:childTnLst>
+                  <p:par>
+                    <p:cTn id="3" fill="hold">
+                      <p:stCondLst>
+                        <p:cond delay="indefinite"/>
+                      </p:stCondLst>
+                      <p:childTnLst>
+                        <p:par>
+                          <p:cTn id="4" fill="hold">
+                            <p:stCondLst>
+                              <p:cond delay="0"/>
+                            </p:stCondLst>
+                            <p:childTnLst>
+                              <p:par>
+                                <p:cTn id="5" presetID="1" presetClass="entr" presetSubtype="0" fill="hold" grpId="0" nodeType="clickEffect">
+                                  <p:stCondLst>
+                                    <p:cond delay="0"/>
+                                  </p:stCondLst>
+                                  <p:childTnLst>
+                                    <p:set>
+                                      <p:cBhvr>
+                                        <p:cTn id="6" dur="1" fill="hold">
+                                          <p:stCondLst>
+                                            <p:cond delay="0"/>
+                                          </p:stCondLst>
+                                        </p:cTn>
+                                        <p:tgtEl>
+                                          <p:spTgt spid="5"/>
+                                        </p:tgtEl>
+                                        <p:attrNameLst>
+                                          <p:attrName>style.visibility</p:attrName>
+                                        </p:attrNameLst>
+                                      </p:cBhvr>
+                                      <p:to>
+                                        <p:strVal val="visible"/>
+                                      </p:to>
+                                    </p:set>
+                                  </p:childTnLst>
+                                </p:cTn>
+                              </p:par>
+                            </p:childTnLst>
+                          </p:cTn>
+                        </p:par>
+                      </p:childTnLst>
+                    </p:cTn>
+                  </p:par>
+                </p:childTnLst>
+              </p:cTn>
+              <p:prevCondLst>
+                <p:cond evt="onPrev" delay="0">
+                  <p:tgtEl>
+                    <p:sldTgt/>
+                  </p:tgtEl>
+                </p:cond>
+              </p:prevCondLst>
+              <p:nextCondLst>
+                <p:cond evt="onNext" delay="0">
+                  <p:tgtEl>
+                    <p:sldTgt/>
+                  </p:tgtEl>
+                </p:cond>
+              </p:nextCondLst>
+            </p:seq>
+          </p:childTnLst>
+        </p:cTn>
       </p:par>
     </p:tnLst>
+    <p:bldLst>
+      <p:bldP spid="5" grpId="0"/>
+    </p:bldLst>
   </p:timing>
 </p:sld>
 </file>
@@ -3949,16 +4518,12 @@
           <a:lstStyle/>
           <a:p>
             <a:r>
-              <a:rPr lang="nl-NL" dirty="0" smtClean="0">
+              <a:rPr lang="nl-NL" dirty="0">
                 <a:latin typeface="Arial" panose="020B0604020202020204" pitchFamily="34" charset="0"/>
                 <a:cs typeface="Arial" panose="020B0604020202020204" pitchFamily="34" charset="0"/>
               </a:rPr>
               <a:t>Aanbevelingen</a:t>
             </a:r>
-            <a:endParaRPr lang="nl-NL" dirty="0">
-              <a:latin typeface="Arial" panose="020B0604020202020204" pitchFamily="34" charset="0"/>
-              <a:cs typeface="Arial" panose="020B0604020202020204" pitchFamily="34" charset="0"/>
-            </a:endParaRPr>
           </a:p>
         </p:txBody>
       </p:sp>
@@ -3989,10 +4554,9 @@
               <a:buChar char="•"/>
             </a:pPr>
             <a:r>
-              <a:rPr lang="nl-NL" sz="2400" dirty="0" smtClean="0"/>
+              <a:rPr lang="nl-NL" sz="2400" dirty="0"/>
               <a:t> Zorg voor onderhoud van de tool</a:t>
             </a:r>
-            <a:endParaRPr lang="nl-NL" sz="2400" dirty="0"/>
           </a:p>
         </p:txBody>
       </p:sp>
@@ -4023,10 +4587,9 @@
               <a:buChar char="•"/>
             </a:pPr>
             <a:r>
-              <a:rPr lang="nl-NL" sz="2400" dirty="0" smtClean="0"/>
+              <a:rPr lang="nl-NL" sz="2400" dirty="0"/>
               <a:t>Eerste configuratie tool</a:t>
             </a:r>
-            <a:endParaRPr lang="nl-NL" sz="2400" dirty="0"/>
           </a:p>
         </p:txBody>
       </p:sp>
@@ -4043,9 +4606,80 @@
   <p:timing>
     <p:tnLst>
       <p:par>
-        <p:cTn id="1" dur="indefinite" restart="never" nodeType="tmRoot"/>
+        <p:cTn id="1" dur="indefinite" restart="never" nodeType="tmRoot">
+          <p:childTnLst>
+            <p:seq concurrent="1" nextAc="seek">
+              <p:cTn id="2" dur="indefinite" nodeType="mainSeq">
+                <p:childTnLst>
+                  <p:par>
+                    <p:cTn id="3" fill="hold">
+                      <p:stCondLst>
+                        <p:cond delay="indefinite"/>
+                      </p:stCondLst>
+                      <p:childTnLst>
+                        <p:par>
+                          <p:cTn id="4" fill="hold">
+                            <p:stCondLst>
+                              <p:cond delay="0"/>
+                            </p:stCondLst>
+                            <p:childTnLst>
+                              <p:par>
+                                <p:cTn id="5" presetID="1" presetClass="entr" presetSubtype="0" fill="hold" grpId="0" nodeType="clickEffect">
+                                  <p:stCondLst>
+                                    <p:cond delay="0"/>
+                                  </p:stCondLst>
+                                  <p:childTnLst>
+                                    <p:set>
+                                      <p:cBhvr>
+                                        <p:cTn id="6" dur="1" fill="hold">
+                                          <p:stCondLst>
+                                            <p:cond delay="0"/>
+                                          </p:stCondLst>
+                                        </p:cTn>
+                                        <p:tgtEl>
+                                          <p:spTgt spid="3"/>
+                                        </p:tgtEl>
+                                        <p:attrNameLst>
+                                          <p:attrName>style.visibility</p:attrName>
+                                        </p:attrNameLst>
+                                      </p:cBhvr>
+                                      <p:to>
+                                        <p:strVal val="visible"/>
+                                      </p:to>
+                                    </p:set>
+                                  </p:childTnLst>
+                                </p:cTn>
+                              </p:par>
+                            </p:childTnLst>
+                          </p:cTn>
+                        </p:par>
+                      </p:childTnLst>
+                    </p:cTn>
+                  </p:par>
+                </p:childTnLst>
+              </p:cTn>
+              <p:prevCondLst>
+                <p:cond evt="onPrev" delay="0">
+                  <p:tgtEl>
+                    <p:sldTgt/>
+                  </p:tgtEl>
+                </p:cond>
+              </p:prevCondLst>
+              <p:nextCondLst>
+                <p:cond evt="onNext" delay="0">
+                  <p:tgtEl>
+                    <p:sldTgt/>
+                  </p:tgtEl>
+                </p:cond>
+              </p:nextCondLst>
+            </p:seq>
+          </p:childTnLst>
+        </p:cTn>
       </p:par>
     </p:tnLst>
+    <p:bldLst>
+      <p:bldP spid="3" grpId="0"/>
+    </p:bldLst>
   </p:timing>
 </p:sld>
 </file>
@@ -4088,16 +4722,12 @@
           <a:lstStyle/>
           <a:p>
             <a:r>
-              <a:rPr lang="nl-NL" dirty="0" smtClean="0">
+              <a:rPr lang="nl-NL" dirty="0">
                 <a:latin typeface="Arial" panose="020B0604020202020204" pitchFamily="34" charset="0"/>
                 <a:cs typeface="Arial" panose="020B0604020202020204" pitchFamily="34" charset="0"/>
               </a:rPr>
               <a:t>Verder onderzoek</a:t>
             </a:r>
-            <a:endParaRPr lang="nl-NL" dirty="0">
-              <a:latin typeface="Arial" panose="020B0604020202020204" pitchFamily="34" charset="0"/>
-              <a:cs typeface="Arial" panose="020B0604020202020204" pitchFamily="34" charset="0"/>
-            </a:endParaRPr>
           </a:p>
         </p:txBody>
       </p:sp>
@@ -4128,12 +4758,8 @@
               <a:buChar char="•"/>
             </a:pPr>
             <a:r>
-              <a:rPr lang="nl-NL" sz="2400" dirty="0" smtClean="0"/>
-              <a:t>Eerste configuratie too</a:t>
-            </a:r>
-            <a:r>
               <a:rPr lang="nl-NL" sz="2400" dirty="0"/>
-              <a:t>l</a:t>
+              <a:t>Eerste configuratie tool</a:t>
             </a:r>
           </a:p>
         </p:txBody>
@@ -4165,10 +4791,9 @@
               <a:buChar char="•"/>
             </a:pPr>
             <a:r>
-              <a:rPr lang="nl-NL" sz="2400" dirty="0" smtClean="0"/>
+              <a:rPr lang="nl-NL" sz="2400" dirty="0"/>
               <a:t>Web applicatie??</a:t>
             </a:r>
-            <a:endParaRPr lang="nl-NL" sz="2400" dirty="0"/>
           </a:p>
         </p:txBody>
       </p:sp>
@@ -4185,9 +4810,80 @@
   <p:timing>
     <p:tnLst>
       <p:par>
-        <p:cTn id="1" dur="indefinite" restart="never" nodeType="tmRoot"/>
+        <p:cTn id="1" dur="indefinite" restart="never" nodeType="tmRoot">
+          <p:childTnLst>
+            <p:seq concurrent="1" nextAc="seek">
+              <p:cTn id="2" dur="indefinite" nodeType="mainSeq">
+                <p:childTnLst>
+                  <p:par>
+                    <p:cTn id="3" fill="hold">
+                      <p:stCondLst>
+                        <p:cond delay="indefinite"/>
+                      </p:stCondLst>
+                      <p:childTnLst>
+                        <p:par>
+                          <p:cTn id="4" fill="hold">
+                            <p:stCondLst>
+                              <p:cond delay="0"/>
+                            </p:stCondLst>
+                            <p:childTnLst>
+                              <p:par>
+                                <p:cTn id="5" presetID="1" presetClass="entr" presetSubtype="0" fill="hold" grpId="0" nodeType="clickEffect">
+                                  <p:stCondLst>
+                                    <p:cond delay="0"/>
+                                  </p:stCondLst>
+                                  <p:childTnLst>
+                                    <p:set>
+                                      <p:cBhvr>
+                                        <p:cTn id="6" dur="1" fill="hold">
+                                          <p:stCondLst>
+                                            <p:cond delay="0"/>
+                                          </p:stCondLst>
+                                        </p:cTn>
+                                        <p:tgtEl>
+                                          <p:spTgt spid="4"/>
+                                        </p:tgtEl>
+                                        <p:attrNameLst>
+                                          <p:attrName>style.visibility</p:attrName>
+                                        </p:attrNameLst>
+                                      </p:cBhvr>
+                                      <p:to>
+                                        <p:strVal val="visible"/>
+                                      </p:to>
+                                    </p:set>
+                                  </p:childTnLst>
+                                </p:cTn>
+                              </p:par>
+                            </p:childTnLst>
+                          </p:cTn>
+                        </p:par>
+                      </p:childTnLst>
+                    </p:cTn>
+                  </p:par>
+                </p:childTnLst>
+              </p:cTn>
+              <p:prevCondLst>
+                <p:cond evt="onPrev" delay="0">
+                  <p:tgtEl>
+                    <p:sldTgt/>
+                  </p:tgtEl>
+                </p:cond>
+              </p:prevCondLst>
+              <p:nextCondLst>
+                <p:cond evt="onNext" delay="0">
+                  <p:tgtEl>
+                    <p:sldTgt/>
+                  </p:tgtEl>
+                </p:cond>
+              </p:nextCondLst>
+            </p:seq>
+          </p:childTnLst>
+        </p:cTn>
       </p:par>
     </p:tnLst>
+    <p:bldLst>
+      <p:bldP spid="4" grpId="0"/>
+    </p:bldLst>
   </p:timing>
 </p:sld>
 </file>
@@ -4230,16 +4926,12 @@
           <a:lstStyle/>
           <a:p>
             <a:r>
-              <a:rPr lang="nl-NL" dirty="0" smtClean="0">
+              <a:rPr lang="nl-NL" dirty="0">
                 <a:latin typeface="Arial" panose="020B0604020202020204" pitchFamily="34" charset="0"/>
                 <a:cs typeface="Arial" panose="020B0604020202020204" pitchFamily="34" charset="0"/>
               </a:rPr>
-              <a:t>Wat is er geleerd</a:t>
-            </a:r>
-            <a:endParaRPr lang="nl-NL" dirty="0">
-              <a:latin typeface="Arial" panose="020B0604020202020204" pitchFamily="34" charset="0"/>
-              <a:cs typeface="Arial" panose="020B0604020202020204" pitchFamily="34" charset="0"/>
-            </a:endParaRPr>
+              <a:t>Geleerd van de stage</a:t>
+            </a:r>
           </a:p>
         </p:txBody>
       </p:sp>
@@ -4270,10 +4962,9 @@
               <a:buChar char="•"/>
             </a:pPr>
             <a:r>
-              <a:rPr lang="nl-NL" sz="2400" dirty="0" smtClean="0"/>
+              <a:rPr lang="nl-NL" sz="2400" dirty="0"/>
               <a:t> Actiever</a:t>
             </a:r>
-            <a:endParaRPr lang="nl-NL" sz="2400" dirty="0"/>
           </a:p>
         </p:txBody>
       </p:sp>
@@ -4304,10 +4995,9 @@
               <a:buChar char="•"/>
             </a:pPr>
             <a:r>
-              <a:rPr lang="nl-NL" sz="2400" dirty="0" smtClean="0"/>
+              <a:rPr lang="nl-NL" sz="2400" dirty="0"/>
               <a:t>Communicatie</a:t>
             </a:r>
-            <a:endParaRPr lang="nl-NL" sz="2400" dirty="0"/>
           </a:p>
         </p:txBody>
       </p:sp>
@@ -4324,9 +5014,80 @@
   <p:timing>
     <p:tnLst>
       <p:par>
-        <p:cTn id="1" dur="indefinite" restart="never" nodeType="tmRoot"/>
+        <p:cTn id="1" dur="indefinite" restart="never" nodeType="tmRoot">
+          <p:childTnLst>
+            <p:seq concurrent="1" nextAc="seek">
+              <p:cTn id="2" dur="indefinite" nodeType="mainSeq">
+                <p:childTnLst>
+                  <p:par>
+                    <p:cTn id="3" fill="hold">
+                      <p:stCondLst>
+                        <p:cond delay="indefinite"/>
+                      </p:stCondLst>
+                      <p:childTnLst>
+                        <p:par>
+                          <p:cTn id="4" fill="hold">
+                            <p:stCondLst>
+                              <p:cond delay="0"/>
+                            </p:stCondLst>
+                            <p:childTnLst>
+                              <p:par>
+                                <p:cTn id="5" presetID="1" presetClass="entr" presetSubtype="0" fill="hold" grpId="0" nodeType="clickEffect">
+                                  <p:stCondLst>
+                                    <p:cond delay="0"/>
+                                  </p:stCondLst>
+                                  <p:childTnLst>
+                                    <p:set>
+                                      <p:cBhvr>
+                                        <p:cTn id="6" dur="1" fill="hold">
+                                          <p:stCondLst>
+                                            <p:cond delay="0"/>
+                                          </p:stCondLst>
+                                        </p:cTn>
+                                        <p:tgtEl>
+                                          <p:spTgt spid="4"/>
+                                        </p:tgtEl>
+                                        <p:attrNameLst>
+                                          <p:attrName>style.visibility</p:attrName>
+                                        </p:attrNameLst>
+                                      </p:cBhvr>
+                                      <p:to>
+                                        <p:strVal val="visible"/>
+                                      </p:to>
+                                    </p:set>
+                                  </p:childTnLst>
+                                </p:cTn>
+                              </p:par>
+                            </p:childTnLst>
+                          </p:cTn>
+                        </p:par>
+                      </p:childTnLst>
+                    </p:cTn>
+                  </p:par>
+                </p:childTnLst>
+              </p:cTn>
+              <p:prevCondLst>
+                <p:cond evt="onPrev" delay="0">
+                  <p:tgtEl>
+                    <p:sldTgt/>
+                  </p:tgtEl>
+                </p:cond>
+              </p:prevCondLst>
+              <p:nextCondLst>
+                <p:cond evt="onNext" delay="0">
+                  <p:tgtEl>
+                    <p:sldTgt/>
+                  </p:tgtEl>
+                </p:cond>
+              </p:nextCondLst>
+            </p:seq>
+          </p:childTnLst>
+        </p:cTn>
       </p:par>
     </p:tnLst>
+    <p:bldLst>
+      <p:bldP spid="4" grpId="0"/>
+    </p:bldLst>
   </p:timing>
 </p:sld>
 </file>
@@ -4360,7 +5121,7 @@
         </p:nvSpPr>
         <p:spPr>
           <a:xfrm>
-            <a:off x="941717" y="2383706"/>
+            <a:off x="838200" y="2766218"/>
             <a:ext cx="10515600" cy="1325563"/>
           </a:xfrm>
         </p:spPr>
@@ -4369,16 +5130,19 @@
           <a:lstStyle/>
           <a:p>
             <a:r>
-              <a:rPr lang="nl-NL" dirty="0" smtClean="0">
+              <a:rPr lang="nl-NL">
                 <a:latin typeface="Arial" panose="020B0604020202020204" pitchFamily="34" charset="0"/>
                 <a:cs typeface="Arial" panose="020B0604020202020204" pitchFamily="34" charset="0"/>
               </a:rPr>
-              <a:t>Bedank voor de aandacht.</a:t>
-            </a:r>
-            <a:endParaRPr lang="nl-NL" dirty="0">
-              <a:latin typeface="Arial" panose="020B0604020202020204" pitchFamily="34" charset="0"/>
-              <a:cs typeface="Arial" panose="020B0604020202020204" pitchFamily="34" charset="0"/>
-            </a:endParaRPr>
+              <a:t>Bedankt </a:t>
+            </a:r>
+            <a:r>
+              <a:rPr lang="nl-NL" dirty="0">
+                <a:latin typeface="Arial" panose="020B0604020202020204" pitchFamily="34" charset="0"/>
+                <a:cs typeface="Arial" panose="020B0604020202020204" pitchFamily="34" charset="0"/>
+              </a:rPr>
+              <a:t>voor de aandacht.</a:t>
+            </a:r>
           </a:p>
         </p:txBody>
       </p:sp>
@@ -4392,13 +5156,6 @@
   <p:clrMapOvr>
     <a:masterClrMapping/>
   </p:clrMapOvr>
-  <p:timing>
-    <p:tnLst>
-      <p:par>
-        <p:cTn id="1" dur="indefinite" restart="never" nodeType="tmRoot"/>
-      </p:par>
-    </p:tnLst>
-  </p:timing>
 </p:sld>
 </file>
 
